--- a/PowerPoints/12 - Optimization.pptx
+++ b/PowerPoints/12 - Optimization.pptx
@@ -5874,7 +5874,7 @@
           <a:p>
             <a:pPr marL="182880" indent="0">
               <a:spcBef>
-                <a:spcPts val="300"/>
+                <a:spcPts val="100"/>
               </a:spcBef>
               <a:buNone/>
             </a:pPr>
@@ -5900,7 +5900,7 @@
           <a:p>
             <a:pPr marL="182880" indent="0">
               <a:spcBef>
-                <a:spcPts val="300"/>
+                <a:spcPts val="100"/>
               </a:spcBef>
               <a:buNone/>
             </a:pPr>
@@ -5914,7 +5914,7 @@
           <a:p>
             <a:pPr marL="182880" indent="0">
               <a:spcBef>
-                <a:spcPts val="300"/>
+                <a:spcPts val="100"/>
               </a:spcBef>
               <a:buNone/>
             </a:pPr>
@@ -5928,7 +5928,7 @@
           <a:p>
             <a:pPr marL="182880" indent="0">
               <a:spcBef>
-                <a:spcPts val="300"/>
+                <a:spcPts val="100"/>
               </a:spcBef>
               <a:buNone/>
             </a:pPr>
